--- a/documentation/mismatrix_zwischenreview_präsentation.pptx
+++ b/documentation/mismatrix_zwischenreview_präsentation.pptx
@@ -5,10 +5,10 @@
     <p:sldMasterId id="2147483669" r:id="rId4"/>
   </p:sldMasterIdLst>
   <p:notesMasterIdLst>
-    <p:notesMasterId r:id="rId15"/>
+    <p:notesMasterId r:id="rId18"/>
   </p:notesMasterIdLst>
   <p:handoutMasterIdLst>
-    <p:handoutMasterId r:id="rId16"/>
+    <p:handoutMasterId r:id="rId19"/>
   </p:handoutMasterIdLst>
   <p:sldIdLst>
     <p:sldId id="256" r:id="rId5"/>
@@ -20,7 +20,10 @@
     <p:sldId id="286" r:id="rId11"/>
     <p:sldId id="288" r:id="rId12"/>
     <p:sldId id="287" r:id="rId13"/>
-    <p:sldId id="280" r:id="rId14"/>
+    <p:sldId id="289" r:id="rId14"/>
+    <p:sldId id="291" r:id="rId15"/>
+    <p:sldId id="290" r:id="rId16"/>
+    <p:sldId id="280" r:id="rId17"/>
   </p:sldIdLst>
   <p:sldSz cx="9144000" cy="6858000" type="screen4x3"/>
   <p:notesSz cx="6797675" cy="9872663"/>
@@ -276,7 +279,7 @@
           <a:p>
             <a:fld id="{EFA0D184-D464-48E9-9CA0-A94E873F6C2C}" type="datetimeFigureOut">
               <a:rPr lang="de-CH" smtClean="0"/>
-              <a:t>29.11.2016</a:t>
+              <a:t>30.11.2016</a:t>
             </a:fld>
             <a:endParaRPr lang="de-CH"/>
           </a:p>
@@ -441,7 +444,7 @@
           <a:p>
             <a:fld id="{5AF2B663-2BA9-4D7E-8201-5DE4109E1EDD}" type="datetimeFigureOut">
               <a:rPr lang="de-CH" smtClean="0"/>
-              <a:t>29.11.2016</a:t>
+              <a:t>30.11.2016</a:t>
             </a:fld>
             <a:endParaRPr lang="de-CH"/>
           </a:p>
@@ -6820,6 +6823,221 @@
       </p:grpSpPr>
       <p:sp>
         <p:nvSpPr>
+          <p:cNvPr id="2" name="Content Placeholder 1"/>
+          <p:cNvSpPr>
+            <a:spLocks noGrp="1"/>
+          </p:cNvSpPr>
+          <p:nvPr>
+            <p:ph sz="half" idx="1"/>
+          </p:nvPr>
+        </p:nvSpPr>
+        <p:spPr/>
+        <p:txBody>
+          <a:bodyPr/>
+          <a:lstStyle/>
+          <a:p>
+            <a:endParaRPr lang="en-GB"/>
+          </a:p>
+        </p:txBody>
+      </p:sp>
+      <p:sp>
+        <p:nvSpPr>
+          <p:cNvPr id="3" name="Title 2"/>
+          <p:cNvSpPr>
+            <a:spLocks noGrp="1"/>
+          </p:cNvSpPr>
+          <p:nvPr>
+            <p:ph type="ctrTitle"/>
+          </p:nvPr>
+        </p:nvSpPr>
+        <p:spPr/>
+        <p:txBody>
+          <a:bodyPr/>
+          <a:lstStyle/>
+          <a:p>
+            <a:r>
+              <a:rPr lang="en-GB" dirty="0" err="1"/>
+              <a:t>Umsetzung</a:t>
+            </a:r>
+            <a:endParaRPr lang="en-GB" dirty="0"/>
+          </a:p>
+        </p:txBody>
+      </p:sp>
+    </p:spTree>
+    <p:extLst>
+      <p:ext uri="{BB962C8B-B14F-4D97-AF65-F5344CB8AC3E}">
+        <p14:creationId xmlns:p14="http://schemas.microsoft.com/office/powerpoint/2010/main" val="2975357204"/>
+      </p:ext>
+    </p:extLst>
+  </p:cSld>
+  <p:clrMapOvr>
+    <a:masterClrMapping/>
+  </p:clrMapOvr>
+</p:sld>
+</file>
+
+<file path=ppt/slides/slide11.xml><?xml version="1.0" encoding="utf-8"?>
+<p:sld xmlns:a="http://schemas.openxmlformats.org/drawingml/2006/main" xmlns:r="http://schemas.openxmlformats.org/officeDocument/2006/relationships" xmlns:p="http://schemas.openxmlformats.org/presentationml/2006/main">
+  <p:cSld>
+    <p:spTree>
+      <p:nvGrpSpPr>
+        <p:cNvPr id="1" name=""/>
+        <p:cNvGrpSpPr/>
+        <p:nvPr/>
+      </p:nvGrpSpPr>
+      <p:grpSpPr>
+        <a:xfrm>
+          <a:off x="0" y="0"/>
+          <a:ext cx="0" cy="0"/>
+          <a:chOff x="0" y="0"/>
+          <a:chExt cx="0" cy="0"/>
+        </a:xfrm>
+      </p:grpSpPr>
+      <p:sp>
+        <p:nvSpPr>
+          <p:cNvPr id="2" name="Content Placeholder 1"/>
+          <p:cNvSpPr>
+            <a:spLocks noGrp="1"/>
+          </p:cNvSpPr>
+          <p:nvPr>
+            <p:ph sz="half" idx="1"/>
+          </p:nvPr>
+        </p:nvSpPr>
+        <p:spPr/>
+        <p:txBody>
+          <a:bodyPr/>
+          <a:lstStyle/>
+          <a:p>
+            <a:endParaRPr lang="en-GB" dirty="0"/>
+          </a:p>
+        </p:txBody>
+      </p:sp>
+      <p:sp>
+        <p:nvSpPr>
+          <p:cNvPr id="3" name="Title 2"/>
+          <p:cNvSpPr>
+            <a:spLocks noGrp="1"/>
+          </p:cNvSpPr>
+          <p:nvPr>
+            <p:ph type="ctrTitle"/>
+          </p:nvPr>
+        </p:nvSpPr>
+        <p:spPr/>
+        <p:txBody>
+          <a:bodyPr/>
+          <a:lstStyle/>
+          <a:p>
+            <a:r>
+              <a:rPr lang="en-GB" dirty="0"/>
+              <a:t>Demonstration</a:t>
+            </a:r>
+          </a:p>
+        </p:txBody>
+      </p:sp>
+    </p:spTree>
+    <p:extLst>
+      <p:ext uri="{BB962C8B-B14F-4D97-AF65-F5344CB8AC3E}">
+        <p14:creationId xmlns:p14="http://schemas.microsoft.com/office/powerpoint/2010/main" val="3307802148"/>
+      </p:ext>
+    </p:extLst>
+  </p:cSld>
+  <p:clrMapOvr>
+    <a:masterClrMapping/>
+  </p:clrMapOvr>
+</p:sld>
+</file>
+
+<file path=ppt/slides/slide12.xml><?xml version="1.0" encoding="utf-8"?>
+<p:sld xmlns:a="http://schemas.openxmlformats.org/drawingml/2006/main" xmlns:r="http://schemas.openxmlformats.org/officeDocument/2006/relationships" xmlns:p="http://schemas.openxmlformats.org/presentationml/2006/main">
+  <p:cSld>
+    <p:spTree>
+      <p:nvGrpSpPr>
+        <p:cNvPr id="1" name=""/>
+        <p:cNvGrpSpPr/>
+        <p:nvPr/>
+      </p:nvGrpSpPr>
+      <p:grpSpPr>
+        <a:xfrm>
+          <a:off x="0" y="0"/>
+          <a:ext cx="0" cy="0"/>
+          <a:chOff x="0" y="0"/>
+          <a:chExt cx="0" cy="0"/>
+        </a:xfrm>
+      </p:grpSpPr>
+      <p:sp>
+        <p:nvSpPr>
+          <p:cNvPr id="2" name="Content Placeholder 1"/>
+          <p:cNvSpPr>
+            <a:spLocks noGrp="1"/>
+          </p:cNvSpPr>
+          <p:nvPr>
+            <p:ph sz="half" idx="1"/>
+          </p:nvPr>
+        </p:nvSpPr>
+        <p:spPr/>
+        <p:txBody>
+          <a:bodyPr/>
+          <a:lstStyle/>
+          <a:p>
+            <a:endParaRPr lang="en-GB"/>
+          </a:p>
+        </p:txBody>
+      </p:sp>
+      <p:sp>
+        <p:nvSpPr>
+          <p:cNvPr id="3" name="Title 2"/>
+          <p:cNvSpPr>
+            <a:spLocks noGrp="1"/>
+          </p:cNvSpPr>
+          <p:nvPr>
+            <p:ph type="ctrTitle"/>
+          </p:nvPr>
+        </p:nvSpPr>
+        <p:spPr/>
+        <p:txBody>
+          <a:bodyPr/>
+          <a:lstStyle/>
+          <a:p>
+            <a:r>
+              <a:rPr lang="en-GB" dirty="0" err="1"/>
+              <a:t>Fragen</a:t>
+            </a:r>
+            <a:endParaRPr lang="en-GB" dirty="0"/>
+          </a:p>
+        </p:txBody>
+      </p:sp>
+    </p:spTree>
+    <p:extLst>
+      <p:ext uri="{BB962C8B-B14F-4D97-AF65-F5344CB8AC3E}">
+        <p14:creationId xmlns:p14="http://schemas.microsoft.com/office/powerpoint/2010/main" val="2963863239"/>
+      </p:ext>
+    </p:extLst>
+  </p:cSld>
+  <p:clrMapOvr>
+    <a:masterClrMapping/>
+  </p:clrMapOvr>
+</p:sld>
+</file>
+
+<file path=ppt/slides/slide13.xml><?xml version="1.0" encoding="utf-8"?>
+<p:sld xmlns:a="http://schemas.openxmlformats.org/drawingml/2006/main" xmlns:r="http://schemas.openxmlformats.org/officeDocument/2006/relationships" xmlns:p="http://schemas.openxmlformats.org/presentationml/2006/main">
+  <p:cSld>
+    <p:spTree>
+      <p:nvGrpSpPr>
+        <p:cNvPr id="1" name=""/>
+        <p:cNvGrpSpPr/>
+        <p:nvPr/>
+      </p:nvGrpSpPr>
+      <p:grpSpPr>
+        <a:xfrm>
+          <a:off x="0" y="0"/>
+          <a:ext cx="0" cy="0"/>
+          <a:chOff x="0" y="0"/>
+          <a:chExt cx="0" cy="0"/>
+        </a:xfrm>
+      </p:grpSpPr>
+      <p:sp>
+        <p:nvSpPr>
           <p:cNvPr id="7" name="Titel 6"/>
           <p:cNvSpPr>
             <a:spLocks noGrp="1"/>
@@ -6911,6 +7129,26 @@
             <a:r>
               <a:rPr lang="en-GB" dirty="0" err="1"/>
               <a:t>Konzept</a:t>
+            </a:r>
+            <a:endParaRPr lang="en-GB" dirty="0"/>
+          </a:p>
+          <a:p>
+            <a:r>
+              <a:rPr lang="en-GB" dirty="0" err="1"/>
+              <a:t>Umsetzung</a:t>
+            </a:r>
+            <a:endParaRPr lang="en-GB" dirty="0"/>
+          </a:p>
+          <a:p>
+            <a:r>
+              <a:rPr lang="en-GB" dirty="0"/>
+              <a:t>Demonstration</a:t>
+            </a:r>
+          </a:p>
+          <a:p>
+            <a:r>
+              <a:rPr lang="en-GB" dirty="0" err="1"/>
+              <a:t>Fragen</a:t>
             </a:r>
             <a:endParaRPr lang="en-GB" dirty="0"/>
           </a:p>
@@ -9568,25 +9806,6 @@
 </file>
 
 <file path=customXml/item1.xml><?xml version="1.0" encoding="utf-8"?>
-<p:properties xmlns:p="http://schemas.microsoft.com/office/2006/metadata/properties" xmlns:xsi="http://www.w3.org/2001/XMLSchema-instance">
-  <documentManagement>
-    <Betriebsystem xmlns="238ac175-5152-443e-bf42-417a27926292">Windows/Mac</Betriebsystem>
-    <Office_x002d_Version xmlns="238ac175-5152-443e-bf42-417a27926292">Office 2010/2011</Office_x002d_Version>
-    <Kategorie xmlns="238ac175-5152-443e-bf42-417a27926292">Powerpoint</Kategorie>
-  </documentManagement>
-</p:properties>
-</file>
-
-<file path=customXml/item2.xml><?xml version="1.0" encoding="utf-8"?>
-<?mso-contentType ?>
-<FormTemplates xmlns="http://schemas.microsoft.com/sharepoint/v3/contenttype/forms">
-  <Display>DocumentLibraryForm</Display>
-  <Edit>DocumentLibraryForm</Edit>
-  <New>DocumentLibraryForm</New>
-</FormTemplates>
-</file>
-
-<file path=customXml/item3.xml><?xml version="1.0" encoding="utf-8"?>
 <ct:contentTypeSchema xmlns:ct="http://schemas.microsoft.com/office/2006/metadata/contentType" xmlns:ma="http://schemas.microsoft.com/office/2006/metadata/properties/metaAttributes" ct:_="" ma:_="" ma:contentTypeName="Dokument" ma:contentTypeID="0x0101003A4279409C3118409D418E682AEFAFB0" ma:contentTypeVersion="3" ma:contentTypeDescription="Ein neues Dokument erstellen." ma:contentTypeScope="" ma:versionID="2b39eecd042fe67817287380b00d4728">
   <xsd:schema xmlns:xsd="http://www.w3.org/2001/XMLSchema" xmlns:p="http://schemas.microsoft.com/office/2006/metadata/properties" xmlns:ns2="238ac175-5152-443e-bf42-417a27926292" targetNamespace="http://schemas.microsoft.com/office/2006/metadata/properties" ma:root="true" ma:fieldsID="3e4ac4b9de63a8d8211a46de917ff848" ns2:_="">
     <xsd:import namespace="238ac175-5152-443e-bf42-417a27926292"/>
@@ -9670,30 +9889,26 @@
 </ct:contentTypeSchema>
 </file>
 
-<file path=customXml/itemProps1.xml><?xml version="1.0" encoding="utf-8"?>
-<ds:datastoreItem xmlns:ds="http://schemas.openxmlformats.org/officeDocument/2006/customXml" ds:itemID="{F1B07C9B-62EC-4346-AB37-FD9874CBA0EB}">
-  <ds:schemaRefs>
-    <ds:schemaRef ds:uri="http://purl.org/dc/dcmitype/"/>
-    <ds:schemaRef ds:uri="http://purl.org/dc/elements/1.1/"/>
-    <ds:schemaRef ds:uri="http://schemas.microsoft.com/office/2006/metadata/properties"/>
-    <ds:schemaRef ds:uri="http://purl.org/dc/terms/"/>
-    <ds:schemaRef ds:uri="238ac175-5152-443e-bf42-417a27926292"/>
-    <ds:schemaRef ds:uri="http://schemas.microsoft.com/office/2006/documentManagement/types"/>
-    <ds:schemaRef ds:uri="http://schemas.openxmlformats.org/package/2006/metadata/core-properties"/>
-    <ds:schemaRef ds:uri="http://www.w3.org/XML/1998/namespace"/>
-  </ds:schemaRefs>
-</ds:datastoreItem>
+<file path=customXml/item2.xml><?xml version="1.0" encoding="utf-8"?>
+<?mso-contentType ?>
+<FormTemplates xmlns="http://schemas.microsoft.com/sharepoint/v3/contenttype/forms">
+  <Display>DocumentLibraryForm</Display>
+  <Edit>DocumentLibraryForm</Edit>
+  <New>DocumentLibraryForm</New>
+</FormTemplates>
 </file>
 
-<file path=customXml/itemProps2.xml><?xml version="1.0" encoding="utf-8"?>
-<ds:datastoreItem xmlns:ds="http://schemas.openxmlformats.org/officeDocument/2006/customXml" ds:itemID="{FCD14AB6-6E58-442F-B70D-2B317664A115}">
-  <ds:schemaRefs>
-    <ds:schemaRef ds:uri="http://schemas.microsoft.com/sharepoint/v3/contenttype/forms"/>
-  </ds:schemaRefs>
-</ds:datastoreItem>
+<file path=customXml/item3.xml><?xml version="1.0" encoding="utf-8"?>
+<p:properties xmlns:p="http://schemas.microsoft.com/office/2006/metadata/properties" xmlns:xsi="http://www.w3.org/2001/XMLSchema-instance">
+  <documentManagement>
+    <Betriebsystem xmlns="238ac175-5152-443e-bf42-417a27926292">Windows/Mac</Betriebsystem>
+    <Office_x002d_Version xmlns="238ac175-5152-443e-bf42-417a27926292">Office 2010/2011</Office_x002d_Version>
+    <Kategorie xmlns="238ac175-5152-443e-bf42-417a27926292">Powerpoint</Kategorie>
+  </documentManagement>
+</p:properties>
 </file>
 
-<file path=customXml/itemProps3.xml><?xml version="1.0" encoding="utf-8"?>
+<file path=customXml/itemProps1.xml><?xml version="1.0" encoding="utf-8"?>
 <ds:datastoreItem xmlns:ds="http://schemas.openxmlformats.org/officeDocument/2006/customXml" ds:itemID="{BD8FD62B-E50E-4101-B7F8-577C2BC63D28}">
   <ds:schemaRefs>
     <ds:schemaRef ds:uri="http://schemas.microsoft.com/office/2006/metadata/contentType"/>
@@ -9708,4 +9923,27 @@
     <ds:schemaRef ds:uri="http://schemas.microsoft.com/office/internal/2005/internalDocumentation"/>
   </ds:schemaRefs>
 </ds:datastoreItem>
+</file>
+
+<file path=customXml/itemProps2.xml><?xml version="1.0" encoding="utf-8"?>
+<ds:datastoreItem xmlns:ds="http://schemas.openxmlformats.org/officeDocument/2006/customXml" ds:itemID="{FCD14AB6-6E58-442F-B70D-2B317664A115}">
+  <ds:schemaRefs>
+    <ds:schemaRef ds:uri="http://schemas.microsoft.com/sharepoint/v3/contenttype/forms"/>
+  </ds:schemaRefs>
+</ds:datastoreItem>
+</file>
+
+<file path=customXml/itemProps3.xml><?xml version="1.0" encoding="utf-8"?>
+<ds:datastoreItem xmlns:ds="http://schemas.openxmlformats.org/officeDocument/2006/customXml" ds:itemID="{F1B07C9B-62EC-4346-AB37-FD9874CBA0EB}">
+  <ds:schemaRefs>
+    <ds:schemaRef ds:uri="http://purl.org/dc/dcmitype/"/>
+    <ds:schemaRef ds:uri="http://purl.org/dc/elements/1.1/"/>
+    <ds:schemaRef ds:uri="http://schemas.microsoft.com/office/2006/metadata/properties"/>
+    <ds:schemaRef ds:uri="http://purl.org/dc/terms/"/>
+    <ds:schemaRef ds:uri="238ac175-5152-443e-bf42-417a27926292"/>
+    <ds:schemaRef ds:uri="http://schemas.microsoft.com/office/2006/documentManagement/types"/>
+    <ds:schemaRef ds:uri="http://schemas.openxmlformats.org/package/2006/metadata/core-properties"/>
+    <ds:schemaRef ds:uri="http://www.w3.org/XML/1998/namespace"/>
+  </ds:schemaRefs>
+</ds:datastoreItem>
 </file>
--- a/documentation/mismatrix_zwischenreview_präsentation.pptx
+++ b/documentation/mismatrix_zwischenreview_präsentation.pptx
@@ -345,7 +345,7 @@
           <a:p>
             <a:fld id="{5F377753-DB7C-4FA7-98FC-17681D88797A}" type="slidenum">
               <a:rPr lang="de-CH" smtClean="0"/>
-              <a:t>‹#›</a:t>
+              <a:t>‹Nr.›</a:t>
             </a:fld>
             <a:endParaRPr lang="de-CH"/>
           </a:p>
@@ -603,7 +603,7 @@
           <a:p>
             <a:fld id="{37E44704-8E6D-4CF2-8CFA-A0F7BC751896}" type="slidenum">
               <a:rPr lang="de-CH" smtClean="0"/>
-              <a:t>‹#›</a:t>
+              <a:t>‹Nr.›</a:t>
             </a:fld>
             <a:endParaRPr lang="de-CH"/>
           </a:p>
@@ -996,9 +996,17 @@
             <a:br>
               <a:rPr lang="de-DE" noProof="0" dirty="0"/>
             </a:br>
+            <a:r>
+              <a:rPr lang="de-DE" noProof="0" dirty="0"/>
+              <a:t/>
+            </a:r>
             <a:br>
               <a:rPr lang="de-DE" noProof="0" dirty="0"/>
             </a:br>
+            <a:r>
+              <a:rPr lang="de-DE" noProof="0" dirty="0"/>
+              <a:t/>
+            </a:r>
             <a:br>
               <a:rPr lang="de-DE" noProof="0" dirty="0"/>
             </a:br>
@@ -2044,7 +2052,7 @@
           <a:p>
             <a:fld id="{F19AE9A8-34D4-4E8C-BE9C-13C550F1BED0}" type="slidenum">
               <a:rPr lang="de-CH" smtClean="0"/>
-              <a:t>‹#›</a:t>
+              <a:t>‹Nr.›</a:t>
             </a:fld>
             <a:endParaRPr lang="de-CH" dirty="0"/>
           </a:p>
@@ -2097,7 +2105,7 @@
           <a:p>
             <a:fld id="{F19AE9A8-34D4-4E8C-BE9C-13C550F1BED0}" type="slidenum">
               <a:rPr lang="de-CH" smtClean="0"/>
-              <a:t>‹#›</a:t>
+              <a:t>‹Nr.›</a:t>
             </a:fld>
             <a:endParaRPr lang="de-CH" dirty="0"/>
           </a:p>
@@ -3126,7 +3134,7 @@
           <a:p>
             <a:fld id="{F19AE9A8-34D4-4E8C-BE9C-13C550F1BED0}" type="slidenum">
               <a:rPr lang="de-CH" smtClean="0"/>
-              <a:t>‹#›</a:t>
+              <a:t>‹Nr.›</a:t>
             </a:fld>
             <a:endParaRPr lang="de-CH" dirty="0"/>
           </a:p>
@@ -3514,7 +3522,7 @@
           <a:p>
             <a:fld id="{F19AE9A8-34D4-4E8C-BE9C-13C550F1BED0}" type="slidenum">
               <a:rPr lang="de-CH" smtClean="0"/>
-              <a:t>‹#›</a:t>
+              <a:t>‹Nr.›</a:t>
             </a:fld>
             <a:endParaRPr lang="de-CH" dirty="0"/>
           </a:p>
@@ -3740,7 +3748,7 @@
           <a:p>
             <a:fld id="{F19AE9A8-34D4-4E8C-BE9C-13C550F1BED0}" type="slidenum">
               <a:rPr lang="de-CH" smtClean="0"/>
-              <a:t>‹#›</a:t>
+              <a:t>‹Nr.›</a:t>
             </a:fld>
             <a:endParaRPr lang="de-CH" dirty="0"/>
           </a:p>
@@ -4040,7 +4048,7 @@
           <a:p>
             <a:fld id="{F19AE9A8-34D4-4E8C-BE9C-13C550F1BED0}" type="slidenum">
               <a:rPr lang="de-CH" smtClean="0"/>
-              <a:t>‹#›</a:t>
+              <a:t>‹Nr.›</a:t>
             </a:fld>
             <a:endParaRPr lang="de-CH" dirty="0"/>
           </a:p>
@@ -4562,7 +4570,7 @@
           <a:p>
             <a:fld id="{F19AE9A8-34D4-4E8C-BE9C-13C550F1BED0}" type="slidenum">
               <a:rPr lang="de-CH" smtClean="0"/>
-              <a:t>‹#›</a:t>
+              <a:t>‹Nr.›</a:t>
             </a:fld>
             <a:endParaRPr lang="de-CH" dirty="0"/>
           </a:p>
@@ -5084,7 +5092,7 @@
           <a:p>
             <a:fld id="{F19AE9A8-34D4-4E8C-BE9C-13C550F1BED0}" type="slidenum">
               <a:rPr lang="de-CH" smtClean="0"/>
-              <a:t>‹#›</a:t>
+              <a:t>‹Nr.›</a:t>
             </a:fld>
             <a:endParaRPr lang="de-CH" dirty="0"/>
           </a:p>
@@ -5810,7 +5818,7 @@
             <a:fld id="{F19AE9A8-34D4-4E8C-BE9C-13C550F1BED0}" type="slidenum">
               <a:rPr lang="de-CH" smtClean="0"/>
               <a:pPr/>
-              <a:t>‹#›</a:t>
+              <a:t>‹Nr.›</a:t>
             </a:fld>
             <a:endParaRPr lang="de-CH" dirty="0"/>
           </a:p>
@@ -6196,7 +6204,7 @@
             <a:fld id="{F19AE9A8-34D4-4E8C-BE9C-13C550F1BED0}" type="slidenum">
               <a:rPr lang="de-CH" smtClean="0"/>
               <a:pPr/>
-              <a:t>‹#›</a:t>
+              <a:t>‹Nr.›</a:t>
             </a:fld>
             <a:endParaRPr lang="de-CH" dirty="0"/>
           </a:p>
@@ -6836,7 +6844,147 @@
           <a:bodyPr/>
           <a:lstStyle/>
           <a:p>
-            <a:endParaRPr lang="en-GB"/>
+            <a:r>
+              <a:rPr lang="en-GB" dirty="0" err="1" smtClean="0"/>
+              <a:t>Bestehendes</a:t>
+            </a:r>
+            <a:r>
+              <a:rPr lang="en-GB" dirty="0" smtClean="0"/>
+              <a:t> Interface </a:t>
+            </a:r>
+            <a:r>
+              <a:rPr lang="en-GB" dirty="0" err="1" smtClean="0"/>
+              <a:t>nicht</a:t>
+            </a:r>
+            <a:r>
+              <a:rPr lang="en-GB" dirty="0" smtClean="0"/>
+              <a:t> </a:t>
+            </a:r>
+            <a:r>
+              <a:rPr lang="en-GB" dirty="0" err="1" smtClean="0"/>
+              <a:t>veränderbar</a:t>
+            </a:r>
+            <a:endParaRPr lang="en-GB" dirty="0" smtClean="0"/>
+          </a:p>
+          <a:p>
+            <a:r>
+              <a:rPr lang="en-GB" dirty="0" err="1" smtClean="0"/>
+              <a:t>Über</a:t>
+            </a:r>
+            <a:r>
+              <a:rPr lang="en-GB" dirty="0" smtClean="0"/>
+              <a:t> JSON </a:t>
+            </a:r>
+            <a:r>
+              <a:rPr lang="en-GB" dirty="0" err="1" smtClean="0"/>
+              <a:t>ansprechbar</a:t>
+            </a:r>
+            <a:endParaRPr lang="en-GB" dirty="0" smtClean="0"/>
+          </a:p>
+          <a:p>
+            <a:r>
+              <a:rPr lang="en-GB" dirty="0" smtClean="0"/>
+              <a:t>HTML/CSS/JS</a:t>
+            </a:r>
+          </a:p>
+          <a:p>
+            <a:pPr lvl="1"/>
+            <a:r>
+              <a:rPr lang="en-GB" dirty="0" err="1" smtClean="0"/>
+              <a:t>Statisch</a:t>
+            </a:r>
+            <a:r>
+              <a:rPr lang="en-GB" dirty="0" smtClean="0"/>
+              <a:t> </a:t>
+            </a:r>
+            <a:r>
+              <a:rPr lang="en-GB" dirty="0" err="1" smtClean="0"/>
+              <a:t>aber</a:t>
+            </a:r>
+            <a:r>
+              <a:rPr lang="en-GB" dirty="0" smtClean="0"/>
+              <a:t> </a:t>
+            </a:r>
+            <a:r>
+              <a:rPr lang="en-GB" dirty="0" err="1" smtClean="0"/>
+              <a:t>erweiterbar</a:t>
+            </a:r>
+            <a:endParaRPr lang="en-GB" dirty="0" smtClean="0"/>
+          </a:p>
+          <a:p>
+            <a:pPr lvl="1"/>
+            <a:r>
+              <a:rPr lang="en-GB" dirty="0" smtClean="0"/>
+              <a:t>JS </a:t>
+            </a:r>
+            <a:r>
+              <a:rPr lang="en-GB" dirty="0" err="1" smtClean="0"/>
+              <a:t>getrennt</a:t>
+            </a:r>
+            <a:r>
+              <a:rPr lang="en-GB" smtClean="0"/>
+              <a:t> von HTML</a:t>
+            </a:r>
+            <a:endParaRPr lang="en-GB" dirty="0" smtClean="0"/>
+          </a:p>
+          <a:p>
+            <a:r>
+              <a:rPr lang="en-GB" dirty="0" smtClean="0"/>
+              <a:t>Recycling </a:t>
+            </a:r>
+            <a:r>
+              <a:rPr lang="en-GB" dirty="0" err="1" smtClean="0"/>
+              <a:t>vom</a:t>
+            </a:r>
+            <a:r>
+              <a:rPr lang="en-GB" dirty="0" smtClean="0"/>
+              <a:t> </a:t>
+            </a:r>
+            <a:r>
+              <a:rPr lang="en-GB" dirty="0" err="1" smtClean="0"/>
+              <a:t>bestehenden</a:t>
+            </a:r>
+            <a:r>
+              <a:rPr lang="en-GB" dirty="0" smtClean="0"/>
+              <a:t> Code</a:t>
+            </a:r>
+          </a:p>
+          <a:p>
+            <a:r>
+              <a:rPr lang="en-GB" dirty="0" smtClean="0"/>
+              <a:t>Bootstrap </a:t>
+            </a:r>
+            <a:r>
+              <a:rPr lang="en-GB" dirty="0" err="1" smtClean="0"/>
+              <a:t>als</a:t>
+            </a:r>
+            <a:r>
+              <a:rPr lang="en-GB" dirty="0" smtClean="0"/>
+              <a:t> </a:t>
+            </a:r>
+            <a:r>
+              <a:rPr lang="en-GB" dirty="0" err="1" smtClean="0"/>
+              <a:t>Grundgerüst</a:t>
+            </a:r>
+            <a:r>
+              <a:rPr lang="en-GB" dirty="0" smtClean="0"/>
+              <a:t> </a:t>
+            </a:r>
+            <a:r>
+              <a:rPr lang="en-GB" dirty="0" err="1" smtClean="0"/>
+              <a:t>für</a:t>
+            </a:r>
+            <a:r>
+              <a:rPr lang="en-GB" dirty="0" smtClean="0"/>
+              <a:t> UI</a:t>
+            </a:r>
+          </a:p>
+          <a:p>
+            <a:r>
+              <a:rPr lang="en-GB" dirty="0" smtClean="0"/>
+              <a:t>GitHub Repository</a:t>
+            </a:r>
+            <a:endParaRPr lang="en-GB" dirty="0"/>
           </a:p>
         </p:txBody>
       </p:sp>
@@ -6863,6 +7011,36 @@
           </a:p>
         </p:txBody>
       </p:sp>
+      <p:pic>
+        <p:nvPicPr>
+          <p:cNvPr id="4" name="Grafik 3"/>
+          <p:cNvPicPr>
+            <a:picLocks noChangeAspect="1"/>
+          </p:cNvPicPr>
+          <p:nvPr/>
+        </p:nvPicPr>
+        <p:blipFill>
+          <a:blip r:embed="rId2">
+            <a:extLst>
+              <a:ext uri="{28A0092B-C50C-407E-A947-70E740481C1C}">
+                <a14:useLocalDpi xmlns:a14="http://schemas.microsoft.com/office/drawing/2010/main" val="0"/>
+              </a:ext>
+            </a:extLst>
+          </a:blip>
+          <a:stretch>
+            <a:fillRect/>
+          </a:stretch>
+        </p:blipFill>
+        <p:spPr>
+          <a:xfrm>
+            <a:off x="7313092" y="360000"/>
+            <a:ext cx="1493649" cy="5966977"/>
+          </a:xfrm>
+          <a:prstGeom prst="rect">
+            <a:avLst/>
+          </a:prstGeom>
+        </p:spPr>
+      </p:pic>
     </p:spTree>
     <p:extLst>
       <p:ext uri="{BB962C8B-B14F-4D97-AF65-F5344CB8AC3E}">
@@ -9806,6 +9984,25 @@
 </file>
 
 <file path=customXml/item1.xml><?xml version="1.0" encoding="utf-8"?>
+<p:properties xmlns:p="http://schemas.microsoft.com/office/2006/metadata/properties" xmlns:xsi="http://www.w3.org/2001/XMLSchema-instance">
+  <documentManagement>
+    <Betriebsystem xmlns="238ac175-5152-443e-bf42-417a27926292">Windows/Mac</Betriebsystem>
+    <Office_x002d_Version xmlns="238ac175-5152-443e-bf42-417a27926292">Office 2010/2011</Office_x002d_Version>
+    <Kategorie xmlns="238ac175-5152-443e-bf42-417a27926292">Powerpoint</Kategorie>
+  </documentManagement>
+</p:properties>
+</file>
+
+<file path=customXml/item2.xml><?xml version="1.0" encoding="utf-8"?>
+<?mso-contentType ?>
+<FormTemplates xmlns="http://schemas.microsoft.com/sharepoint/v3/contenttype/forms">
+  <Display>DocumentLibraryForm</Display>
+  <Edit>DocumentLibraryForm</Edit>
+  <New>DocumentLibraryForm</New>
+</FormTemplates>
+</file>
+
+<file path=customXml/item3.xml><?xml version="1.0" encoding="utf-8"?>
 <ct:contentTypeSchema xmlns:ct="http://schemas.microsoft.com/office/2006/metadata/contentType" xmlns:ma="http://schemas.microsoft.com/office/2006/metadata/properties/metaAttributes" ct:_="" ma:_="" ma:contentTypeName="Dokument" ma:contentTypeID="0x0101003A4279409C3118409D418E682AEFAFB0" ma:contentTypeVersion="3" ma:contentTypeDescription="Ein neues Dokument erstellen." ma:contentTypeScope="" ma:versionID="2b39eecd042fe67817287380b00d4728">
   <xsd:schema xmlns:xsd="http://www.w3.org/2001/XMLSchema" xmlns:p="http://schemas.microsoft.com/office/2006/metadata/properties" xmlns:ns2="238ac175-5152-443e-bf42-417a27926292" targetNamespace="http://schemas.microsoft.com/office/2006/metadata/properties" ma:root="true" ma:fieldsID="3e4ac4b9de63a8d8211a46de917ff848" ns2:_="">
     <xsd:import namespace="238ac175-5152-443e-bf42-417a27926292"/>
@@ -9889,26 +10086,30 @@
 </ct:contentTypeSchema>
 </file>
 
-<file path=customXml/item2.xml><?xml version="1.0" encoding="utf-8"?>
-<?mso-contentType ?>
-<FormTemplates xmlns="http://schemas.microsoft.com/sharepoint/v3/contenttype/forms">
-  <Display>DocumentLibraryForm</Display>
-  <Edit>DocumentLibraryForm</Edit>
-  <New>DocumentLibraryForm</New>
-</FormTemplates>
+<file path=customXml/itemProps1.xml><?xml version="1.0" encoding="utf-8"?>
+<ds:datastoreItem xmlns:ds="http://schemas.openxmlformats.org/officeDocument/2006/customXml" ds:itemID="{F1B07C9B-62EC-4346-AB37-FD9874CBA0EB}">
+  <ds:schemaRefs>
+    <ds:schemaRef ds:uri="http://purl.org/dc/dcmitype/"/>
+    <ds:schemaRef ds:uri="http://purl.org/dc/elements/1.1/"/>
+    <ds:schemaRef ds:uri="http://schemas.microsoft.com/office/2006/metadata/properties"/>
+    <ds:schemaRef ds:uri="http://purl.org/dc/terms/"/>
+    <ds:schemaRef ds:uri="238ac175-5152-443e-bf42-417a27926292"/>
+    <ds:schemaRef ds:uri="http://schemas.microsoft.com/office/2006/documentManagement/types"/>
+    <ds:schemaRef ds:uri="http://schemas.openxmlformats.org/package/2006/metadata/core-properties"/>
+    <ds:schemaRef ds:uri="http://www.w3.org/XML/1998/namespace"/>
+  </ds:schemaRefs>
+</ds:datastoreItem>
 </file>
 
-<file path=customXml/item3.xml><?xml version="1.0" encoding="utf-8"?>
-<p:properties xmlns:p="http://schemas.microsoft.com/office/2006/metadata/properties" xmlns:xsi="http://www.w3.org/2001/XMLSchema-instance">
-  <documentManagement>
-    <Betriebsystem xmlns="238ac175-5152-443e-bf42-417a27926292">Windows/Mac</Betriebsystem>
-    <Office_x002d_Version xmlns="238ac175-5152-443e-bf42-417a27926292">Office 2010/2011</Office_x002d_Version>
-    <Kategorie xmlns="238ac175-5152-443e-bf42-417a27926292">Powerpoint</Kategorie>
-  </documentManagement>
-</p:properties>
+<file path=customXml/itemProps2.xml><?xml version="1.0" encoding="utf-8"?>
+<ds:datastoreItem xmlns:ds="http://schemas.openxmlformats.org/officeDocument/2006/customXml" ds:itemID="{FCD14AB6-6E58-442F-B70D-2B317664A115}">
+  <ds:schemaRefs>
+    <ds:schemaRef ds:uri="http://schemas.microsoft.com/sharepoint/v3/contenttype/forms"/>
+  </ds:schemaRefs>
+</ds:datastoreItem>
 </file>
 
-<file path=customXml/itemProps1.xml><?xml version="1.0" encoding="utf-8"?>
+<file path=customXml/itemProps3.xml><?xml version="1.0" encoding="utf-8"?>
 <ds:datastoreItem xmlns:ds="http://schemas.openxmlformats.org/officeDocument/2006/customXml" ds:itemID="{BD8FD62B-E50E-4101-B7F8-577C2BC63D28}">
   <ds:schemaRefs>
     <ds:schemaRef ds:uri="http://schemas.microsoft.com/office/2006/metadata/contentType"/>
@@ -9923,27 +10124,4 @@
     <ds:schemaRef ds:uri="http://schemas.microsoft.com/office/internal/2005/internalDocumentation"/>
   </ds:schemaRefs>
 </ds:datastoreItem>
-</file>
-
-<file path=customXml/itemProps2.xml><?xml version="1.0" encoding="utf-8"?>
-<ds:datastoreItem xmlns:ds="http://schemas.openxmlformats.org/officeDocument/2006/customXml" ds:itemID="{FCD14AB6-6E58-442F-B70D-2B317664A115}">
-  <ds:schemaRefs>
-    <ds:schemaRef ds:uri="http://schemas.microsoft.com/sharepoint/v3/contenttype/forms"/>
-  </ds:schemaRefs>
-</ds:datastoreItem>
-</file>
-
-<file path=customXml/itemProps3.xml><?xml version="1.0" encoding="utf-8"?>
-<ds:datastoreItem xmlns:ds="http://schemas.openxmlformats.org/officeDocument/2006/customXml" ds:itemID="{F1B07C9B-62EC-4346-AB37-FD9874CBA0EB}">
-  <ds:schemaRefs>
-    <ds:schemaRef ds:uri="http://purl.org/dc/dcmitype/"/>
-    <ds:schemaRef ds:uri="http://purl.org/dc/elements/1.1/"/>
-    <ds:schemaRef ds:uri="http://schemas.microsoft.com/office/2006/metadata/properties"/>
-    <ds:schemaRef ds:uri="http://purl.org/dc/terms/"/>
-    <ds:schemaRef ds:uri="238ac175-5152-443e-bf42-417a27926292"/>
-    <ds:schemaRef ds:uri="http://schemas.microsoft.com/office/2006/documentManagement/types"/>
-    <ds:schemaRef ds:uri="http://schemas.openxmlformats.org/package/2006/metadata/core-properties"/>
-    <ds:schemaRef ds:uri="http://www.w3.org/XML/1998/namespace"/>
-  </ds:schemaRefs>
-</ds:datastoreItem>
 </file>